--- a/KinetiQ.pptx
+++ b/KinetiQ.pptx
@@ -19800,7 +19800,7 @@
             <a:tbl>
               <a:tblPr bandRow="1" firstRow="1">
                 <a:noFill/>
-                <a:tableStyleId>{FF248FCA-7AA7-4684-BC68-703E92487BE6}</a:tableStyleId>
+                <a:tableStyleId>{47560FEF-2575-48D2-B5F4-46FC3D1C1C2A}</a:tableStyleId>
               </a:tblPr>
               <a:tblGrid>
                 <a:gridCol w="1648825"/>
@@ -20923,25 +20923,25 @@
             <a:endParaRPr sz="2000"/>
           </a:p>
           <a:p>
-            <a:pPr indent="-323850" lvl="0" marL="457200" rtl="0" algn="l">
-              <a:lnSpc>
-                <a:spcPct val="100000"/>
-              </a:lnSpc>
-              <a:spcBef>
-                <a:spcPts val="0"/>
-              </a:spcBef>
-              <a:spcAft>
-                <a:spcPts val="0"/>
-              </a:spcAft>
-              <a:buSzPts val="1500"/>
+            <a:pPr indent="-298450" lvl="0" marL="457200" rtl="0" algn="l">
+              <a:lnSpc>
+                <a:spcPct val="100000"/>
+              </a:lnSpc>
+              <a:spcBef>
+                <a:spcPts val="0"/>
+              </a:spcBef>
+              <a:spcAft>
+                <a:spcPts val="0"/>
+              </a:spcAft>
+              <a:buSzPts val="1100"/>
               <a:buChar char="●"/>
             </a:pPr>
             <a:r>
-              <a:rPr lang="en-US" sz="1500"/>
+              <a:rPr lang="en-US" sz="1100"/>
               <a:t>Shishir G. Patil, Tianjun Zhang, Xin Wang, and Joseph E. Gonzalez. Gorilla: Large language model connected with massive apis, 2023b. URL </a:t>
             </a:r>
             <a:r>
-              <a:rPr lang="en-US" sz="1500" u="sng">
+              <a:rPr lang="en-US" sz="1100" u="sng">
                 <a:solidFill>
                   <a:schemeClr val="hlink"/>
                 </a:solidFill>
@@ -20950,27 +20950,43 @@
               <a:t>https://arxiv.org/abs/2305.15334</a:t>
             </a:r>
             <a:r>
-              <a:rPr lang="en-US" sz="1500"/>
+              <a:rPr lang="en-US" sz="1100"/>
               <a:t>.</a:t>
             </a:r>
-            <a:endParaRPr sz="1500"/>
-          </a:p>
-          <a:p>
-            <a:pPr indent="-323850" lvl="0" marL="457200" rtl="0" algn="l">
-              <a:spcBef>
-                <a:spcPts val="0"/>
-              </a:spcBef>
-              <a:spcAft>
-                <a:spcPts val="0"/>
-              </a:spcAft>
-              <a:buSzPts val="1500"/>
+            <a:endParaRPr sz="1100"/>
+          </a:p>
+          <a:p>
+            <a:pPr indent="-298450" lvl="0" marL="457200" rtl="0" algn="l">
+              <a:spcBef>
+                <a:spcPts val="0"/>
+              </a:spcBef>
+              <a:spcAft>
+                <a:spcPts val="0"/>
+              </a:spcAft>
+              <a:buSzPts val="1100"/>
               <a:buChar char="●"/>
             </a:pPr>
             <a:r>
-              <a:rPr lang="en-US" sz="1500"/>
+              <a:rPr lang="en-US" sz="1100"/>
               <a:t>Kinjal Basu, Ibrahim Abdelaziz, Kelsey Bradford, Maxwell Crouse, Kiran Kate, Sadhana Kumaravel, Saurabh Goyal, Asim Munawar, Yara Rizk, Xin Wang, Luis Lastras, Pavan Kapanipathi (2024) NESTFUL: A Benchmark for Evaluating LLMs on Nested Sequences of API Calls. https://arxiv.org/abs/2409.03797.pdf</a:t>
             </a:r>
-            <a:endParaRPr sz="1500"/>
+            <a:endParaRPr sz="1100"/>
+          </a:p>
+          <a:p>
+            <a:pPr indent="0" lvl="0" marL="0" rtl="0" algn="l">
+              <a:spcBef>
+                <a:spcPts val="0"/>
+              </a:spcBef>
+              <a:spcAft>
+                <a:spcPts val="0"/>
+              </a:spcAft>
+              <a:buNone/>
+            </a:pPr>
+            <a:r>
+              <a:rPr lang="en-US" sz="1800"/>
+              <a:t>Project Files: https://github.com/eakelly/kinetiq</a:t>
+            </a:r>
+            <a:endParaRPr sz="1800"/>
           </a:p>
           <a:p>
             <a:pPr indent="0" lvl="0" marL="0" rtl="0" algn="l">
